--- a/lectures/lecture-16/Lecture-Live A00/Lecture 16 - Lecture.pptx
+++ b/lectures/lecture-16/Lecture-Live A00/Lecture 16 - Lecture.pptx
@@ -142,6 +142,294 @@
     </p:ext>
   </p:extLst>
 </p:presentation>
+</file>
+
+<file path=ppt/ink/ink1.xml><?xml version="1.0" encoding="utf-8"?>
+<inkml:ink xmlns:inkml="http://www.w3.org/2003/InkML">
+  <inkml:definitions>
+    <inkml:context xml:id="ctx0">
+      <inkml:inkSource xml:id="inkSrc0">
+        <inkml:traceFormat>
+          <inkml:channel name="X" type="integer" min="-2.14748E9" max="2.14748E9" units="cm"/>
+          <inkml:channel name="Y" type="integer" min="-2.14748E9" max="2.14748E9" units="cm"/>
+          <inkml:channel name="F" type="integer" max="32767" units="dev"/>
+          <inkml:channel name="OA" type="integer" max="360" units="deg"/>
+          <inkml:channel name="OE" type="integer" max="90" units="deg"/>
+        </inkml:traceFormat>
+        <inkml:channelProperties>
+          <inkml:channelProperty channel="X" name="resolution" value="1000" units="1/cm"/>
+          <inkml:channelProperty channel="Y" name="resolution" value="1000" units="1/cm"/>
+          <inkml:channelProperty channel="F" name="resolution" value="0" units="1/dev"/>
+          <inkml:channelProperty channel="OA" name="resolution" value="1000" units="1/deg"/>
+          <inkml:channelProperty channel="OE" name="resolution" value="1000" units="1/deg"/>
+        </inkml:channelProperties>
+      </inkml:inkSource>
+      <inkml:timestamp xml:id="ts0" timeString="2020-11-09T17:00:38.926"/>
+    </inkml:context>
+    <inkml:brush xml:id="br0">
+      <inkml:brushProperty name="width" value="0.05" units="cm"/>
+      <inkml:brushProperty name="height" value="0.05" units="cm"/>
+      <inkml:brushProperty name="color" value="#E71224"/>
+    </inkml:brush>
+  </inkml:definitions>
+  <inkml:trace contextRef="#ctx0" brushRef="#br0">68 143 6448 0 0,'-5'1'437'0'0,"0"0"0"0"0,0 0 1 0 0,0 0-1 0 0,0-1 0 0 0,0 1 1 0 0,-7-2-1 0 0,10 1-234 0 0,1 0 1 0 0,0 0-1 0 0,0 0 0 0 0,0 0 0 0 0,0 0 1 0 0,0-1-1 0 0,0 1 0 0 0,0 0 1 0 0,0-1-1 0 0,0 1 0 0 0,0-1 0 0 0,0 1 1 0 0,0-1-1 0 0,0 1 0 0 0,1-1 1 0 0,-1 0-1 0 0,0 0 0 0 0,0 1 1 0 0,1-1-1 0 0,-1 0 0 0 0,0 0 0 0 0,1 0 1 0 0,-1 0-1 0 0,0 0 0 0 0,1 1 1 0 0,0-1-1 0 0,-1 0 0 0 0,1 0 0 0 0,-1 0 1 0 0,1-1-1 0 0,0 1 0 0 0,0 0 1 0 0,0 0-1 0 0,0 0 0 0 0,0-1 0 0 0,0 1-86 0 0,0 0 0 0 0,0 0-1 0 0,1 0 1 0 0,-1 0-1 0 0,1 0 1 0 0,-1 0-1 0 0,1 0 1 0 0,0 0-1 0 0,-1 1 1 0 0,1-1-1 0 0,0 0 1 0 0,-1 0-1 0 0,1 1 1 0 0,0-1-1 0 0,0 0 1 0 0,0 1-1 0 0,-1-1 1 0 0,1 1-1 0 0,0-1 1 0 0,0 1-1 0 0,2-1 1 0 0,20-8 730 0 0,-23 9-838 0 0,19-4 405 0 0,0 1 1 0 0,1 1-1 0 0,-1 0 0 0 0,22 2 0 0 0,-6-1 11 0 0,-12 0-189 0 0,58-3 512 0 0,43-3 246 0 0,-8 1-284 0 0,174-11 385 0 0,-86 6-478 0 0,154 15 697 0 0,-283 0-1156 0 0,-3-1 53 0 0,88 3 287 0 0,-54-10 33 0 0,-71 2-266 0 0,-25 2-161 0 0,0 0 0 0 0,0-1-1 0 0,19-4 1 0 0,-6 2-27 0 0,-20 3-70 0 0,-1 0-1 0 0,1-1 0 0 0,-1 1 1 0 0,1 0-1 0 0,0-1 0 0 0,-1 0 1 0 0,0 0-1 0 0,1 0 1 0 0,-1 0-1 0 0,1 0 0 0 0,-1 0 1 0 0,0 0-1 0 0,0-1 1 0 0,0 1-1 0 0,0-1 0 0 0,0 0 1 0 0,3-2-1 0 0,7-4-698 0 0,3-3-4340 0 0</inkml:trace>
+</inkml:ink>
+</file>
+
+<file path=ppt/ink/ink2.xml><?xml version="1.0" encoding="utf-8"?>
+<inkml:ink xmlns:inkml="http://www.w3.org/2003/InkML">
+  <inkml:definitions>
+    <inkml:context xml:id="ctx0">
+      <inkml:inkSource xml:id="inkSrc0">
+        <inkml:traceFormat>
+          <inkml:channel name="X" type="integer" min="-2.14748E9" max="2.14748E9" units="cm"/>
+          <inkml:channel name="Y" type="integer" min="-2.14748E9" max="2.14748E9" units="cm"/>
+          <inkml:channel name="F" type="integer" max="32767" units="dev"/>
+          <inkml:channel name="OA" type="integer" max="360" units="deg"/>
+          <inkml:channel name="OE" type="integer" max="90" units="deg"/>
+        </inkml:traceFormat>
+        <inkml:channelProperties>
+          <inkml:channelProperty channel="X" name="resolution" value="1000" units="1/cm"/>
+          <inkml:channelProperty channel="Y" name="resolution" value="1000" units="1/cm"/>
+          <inkml:channelProperty channel="F" name="resolution" value="0" units="1/dev"/>
+          <inkml:channelProperty channel="OA" name="resolution" value="1000" units="1/deg"/>
+          <inkml:channelProperty channel="OE" name="resolution" value="1000" units="1/deg"/>
+        </inkml:channelProperties>
+      </inkml:inkSource>
+      <inkml:timestamp xml:id="ts0" timeString="2020-11-09T17:00:42.199"/>
+    </inkml:context>
+    <inkml:brush xml:id="br0">
+      <inkml:brushProperty name="width" value="0.05" units="cm"/>
+      <inkml:brushProperty name="height" value="0.05" units="cm"/>
+      <inkml:brushProperty name="color" value="#E71224"/>
+    </inkml:brush>
+  </inkml:definitions>
+  <inkml:trace contextRef="#ctx0" brushRef="#br0">61 67 11600 0 0,'-5'2'310'0'0,"1"0"0"0"0,0-1 0 0 0,-1 0 0 0 0,0 0 0 0 0,1 0 0 0 0,-1 0 0 0 0,0-1 0 0 0,1 1 0 0 0,-9-2 0 0 0,6-4 5349 0 0,22 2-3671 0 0,5 1-1197 0 0,0 1-1 0 0,40 4 0 0 0,-18 0-274 0 0,370 6 1968 0 0,-309-9-2212 0 0,182-2 394 0 0,-91-1-79 0 0,-21 1 32 0 0,-27 3-157 0 0,-52 1-91 0 0,92-10 353 0 0,-144 5-581 0 0,28-4 190 0 0,-63 6-262 0 0,-1 0 1 0 0,1-1-1 0 0,-1 0 0 0 0,1 0 1 0 0,-1 0-1 0 0,0-1 0 0 0,11-7 1 0 0,-16 10-63 0 0,1-1 1 0 0,-1 0-1 0 0,0 0 0 0 0,0-1 1 0 0,-1 1-1 0 0,1 0 1 0 0,0 0-1 0 0,0 0 1 0 0,0-1-1 0 0,-1 1 1 0 0,1-2-1 0 0,0-1 14 0 0,-1 2 19 0 0,0-4-31 0 0,1-2-6949 0 0,1 11 5396 0 0</inkml:trace>
+</inkml:ink>
+</file>
+
+<file path=ppt/ink/ink3.xml><?xml version="1.0" encoding="utf-8"?>
+<inkml:ink xmlns:inkml="http://www.w3.org/2003/InkML">
+  <inkml:definitions>
+    <inkml:context xml:id="ctx0">
+      <inkml:inkSource xml:id="inkSrc0">
+        <inkml:traceFormat>
+          <inkml:channel name="X" type="integer" min="-2.14748E9" max="2.14748E9" units="cm"/>
+          <inkml:channel name="Y" type="integer" min="-2.14748E9" max="2.14748E9" units="cm"/>
+          <inkml:channel name="F" type="integer" max="32767" units="dev"/>
+          <inkml:channel name="OA" type="integer" max="360" units="deg"/>
+          <inkml:channel name="OE" type="integer" max="90" units="deg"/>
+        </inkml:traceFormat>
+        <inkml:channelProperties>
+          <inkml:channelProperty channel="X" name="resolution" value="1000" units="1/cm"/>
+          <inkml:channelProperty channel="Y" name="resolution" value="1000" units="1/cm"/>
+          <inkml:channelProperty channel="F" name="resolution" value="0" units="1/dev"/>
+          <inkml:channelProperty channel="OA" name="resolution" value="1000" units="1/deg"/>
+          <inkml:channelProperty channel="OE" name="resolution" value="1000" units="1/deg"/>
+        </inkml:channelProperties>
+      </inkml:inkSource>
+      <inkml:timestamp xml:id="ts0" timeString="2020-11-09T17:00:47.985"/>
+    </inkml:context>
+    <inkml:brush xml:id="br0">
+      <inkml:brushProperty name="width" value="0.05" units="cm"/>
+      <inkml:brushProperty name="height" value="0.05" units="cm"/>
+      <inkml:brushProperty name="color" value="#E71224"/>
+    </inkml:brush>
+  </inkml:definitions>
+  <inkml:trace contextRef="#ctx0" brushRef="#br0">97 10 5064 0 0,'-9'8'496'0'0,"7"-7"-212"0"0,-1-1 0 0 0,1 1 0 0 0,-1-1 0 0 0,1 0 0 0 0,-1 0 0 0 0,1 0 0 0 0,-1-1 0 0 0,1 1 1 0 0,0 0-1 0 0,-1-1 0 0 0,1 0 0 0 0,-5-1 0 0 0,-19-3 3763 0 0,16 0-2345 0 0,10 5-1621 0 0,0-1 0 0 0,0 1 0 0 0,-1 0 0 0 0,1-1 0 0 0,0 1 0 0 0,-1 0-1 0 0,1 0 1 0 0,0-1 0 0 0,-1 1 0 0 0,1 0 0 0 0,0 0 0 0 0,-1 0 0 0 0,1-1 0 0 0,-1 1 0 0 0,1 0 0 0 0,0 0-1 0 0,-1 0 1 0 0,1 0 0 0 0,-1 0 0 0 0,1 0 0 0 0,0 0 0 0 0,-1 0 0 0 0,1 0 0 0 0,-1 0 0 0 0,-5 3 5551 0 0,15 5-4754 0 0,-2-5-722 0 0,0 0 0 0 0,0 0 0 0 0,1-1 0 0 0,-1-1 0 0 0,1 1 0 0 0,-1-1 0 0 0,1 0 0 0 0,14-1 0 0 0,5-1 226 0 0,31-6 0 0 0,-50 6-302 0 0,67-8 554 0 0,100 2 0 0 0,76 16 338 0 0,-36 16-589 0 0,-72-5-62 0 0,-47-9-91 0 0,20 2 315 0 0,145 0 0 0 0,-123-19 148 0 0,60-1-2 0 0,20 13-339 0 0,-129 6-67 0 0,-12-2 62 0 0,-72-9-318 0 0,0-1 1 0 0,0 0-1 0 0,1 0 0 0 0,-1 0 1 0 0,0-1-1 0 0,0 0 0 0 0,0 0 1 0 0,0 0-1 0 0,0 0 0 0 0,0-1 1 0 0,7-4-1 0 0,6-1-29 0 0,-14 6 0 0 0,-1-1 0 0 0,1 1 0 0 0,0-1 0 0 0,-1 0 0 0 0,0 0 0 0 0,1 0 0 0 0,-1-1 0 0 0,5-3 0 0 0,-8 6 0 0 0,1-2 0 0 0,1 0 0 0 0,0 0 0 0 0,0 0 0 0 0,0 1 0 0 0,0-1 0 0 0,0 1 0 0 0,0-1 0 0 0,0 1 0 0 0,0 0 0 0 0,1 0 0 0 0,-1 0 0 0 0,0 0 0 0 0,1 0 0 0 0,2-1 0 0 0,0 2-12 0 0,-4 0-51 0 0</inkml:trace>
+</inkml:ink>
+</file>
+
+<file path=ppt/ink/ink4.xml><?xml version="1.0" encoding="utf-8"?>
+<inkml:ink xmlns:inkml="http://www.w3.org/2003/InkML">
+  <inkml:definitions>
+    <inkml:context xml:id="ctx0">
+      <inkml:inkSource xml:id="inkSrc0">
+        <inkml:traceFormat>
+          <inkml:channel name="X" type="integer" min="-2.14748E9" max="2.14748E9" units="cm"/>
+          <inkml:channel name="Y" type="integer" min="-2.14748E9" max="2.14748E9" units="cm"/>
+          <inkml:channel name="F" type="integer" max="32767" units="dev"/>
+          <inkml:channel name="OA" type="integer" max="360" units="deg"/>
+          <inkml:channel name="OE" type="integer" max="90" units="deg"/>
+        </inkml:traceFormat>
+        <inkml:channelProperties>
+          <inkml:channelProperty channel="X" name="resolution" value="1000" units="1/cm"/>
+          <inkml:channelProperty channel="Y" name="resolution" value="1000" units="1/cm"/>
+          <inkml:channelProperty channel="F" name="resolution" value="0" units="1/dev"/>
+          <inkml:channelProperty channel="OA" name="resolution" value="1000" units="1/deg"/>
+          <inkml:channelProperty channel="OE" name="resolution" value="1000" units="1/deg"/>
+        </inkml:channelProperties>
+      </inkml:inkSource>
+      <inkml:timestamp xml:id="ts0" timeString="2020-11-09T17:00:56.856"/>
+    </inkml:context>
+    <inkml:brush xml:id="br0">
+      <inkml:brushProperty name="width" value="0.05" units="cm"/>
+      <inkml:brushProperty name="height" value="0.05" units="cm"/>
+      <inkml:brushProperty name="color" value="#E71224"/>
+    </inkml:brush>
+  </inkml:definitions>
+  <inkml:trace contextRef="#ctx0" brushRef="#br0">57 141 10136 0 0,'-7'3'283'0'0,"0"-1"0"0"0,0 0 1 0 0,-10 2-1 0 0,8-2-283 0 0,8-2 147 0 0,1 0-1 0 0,0 0 1 0 0,0 0 0 0 0,-1 0-1 0 0,1 0 1 0 0,0 1 0 0 0,0-1-1 0 0,-1 0 1 0 0,1 0 0 0 0,0 0 0 0 0,-1 0-1 0 0,1 0 1 0 0,0 0 0 0 0,0 0-1 0 0,-1 0 1 0 0,1 0 0 0 0,0 0-1 0 0,-1 0 1 0 0,1 0 0 0 0,0 0-1 0 0,0 0 1 0 0,-1 0 0 0 0,1 0-1 0 0,0-1 1 0 0,-1 1 0 0 0,1 0-1 0 0,0 0 1 0 0,0 0 0 0 0,-1 0 0 0 0,1 0-1 0 0,0-1 1 0 0,0 1 0 0 0,7-7 1669 0 0,19-8-821 0 0,-26 15-791 0 0,19-10 196 0 0,-1 1 1 0 0,1 0-1 0 0,0 2 0 0 0,1 0 1 0 0,-1 1-1 0 0,2 1 1 0 0,-1 1-1 0 0,32-2 1 0 0,34 2 380 0 0,159-4 948 0 0,88 11-154 0 0,-272-4-1339 0 0,61 2 216 0 0,138-4-108 0 0,-205 0-447 0 0,53-4 839 0 0,50-1 456 0 0,-81 7-1160 0 0,48 1 165 0 0,-71 1 362 0 0,104 7 261 0 0,-142-7-710 0 0,0-2 1 0 0,0 0-1 0 0,16-3 1 0 0,-15 2-20 0 0,31-5 157 0 0,-29 7-180 0 0,-15 0-56 0 0,0 0-1 0 0,0 0 1 0 0,0 0 0 0 0,0 0 0 0 0,6-1 0 0 0,6-6 33 0 0,-15 7-95 0 0,0-1-1 0 0,0 0 0 0 0,0 0 1 0 0,0 1-1 0 0,0-1 0 0 0,0 0 1 0 0,0 0-1 0 0,-1 0 0 0 0,1 0 1 0 0,0 0-1 0 0,-1 0 0 0 0,1 0 1 0 0,0 0-1 0 0,0-2 0 0 0,4-6-4501 0 0</inkml:trace>
+</inkml:ink>
+</file>
+
+<file path=ppt/ink/ink5.xml><?xml version="1.0" encoding="utf-8"?>
+<inkml:ink xmlns:inkml="http://www.w3.org/2003/InkML">
+  <inkml:definitions>
+    <inkml:context xml:id="ctx0">
+      <inkml:inkSource xml:id="inkSrc0">
+        <inkml:traceFormat>
+          <inkml:channel name="X" type="integer" min="-2.14748E9" max="2.14748E9" units="cm"/>
+          <inkml:channel name="Y" type="integer" min="-2.14748E9" max="2.14748E9" units="cm"/>
+          <inkml:channel name="F" type="integer" max="32767" units="dev"/>
+          <inkml:channel name="OA" type="integer" max="360" units="deg"/>
+          <inkml:channel name="OE" type="integer" max="90" units="deg"/>
+        </inkml:traceFormat>
+        <inkml:channelProperties>
+          <inkml:channelProperty channel="X" name="resolution" value="1000" units="1/cm"/>
+          <inkml:channelProperty channel="Y" name="resolution" value="1000" units="1/cm"/>
+          <inkml:channelProperty channel="F" name="resolution" value="0" units="1/dev"/>
+          <inkml:channelProperty channel="OA" name="resolution" value="1000" units="1/deg"/>
+          <inkml:channelProperty channel="OE" name="resolution" value="1000" units="1/deg"/>
+        </inkml:channelProperties>
+      </inkml:inkSource>
+      <inkml:timestamp xml:id="ts0" timeString="2020-11-09T17:01:00.237"/>
+    </inkml:context>
+    <inkml:brush xml:id="br0">
+      <inkml:brushProperty name="width" value="0.05" units="cm"/>
+      <inkml:brushProperty name="height" value="0.05" units="cm"/>
+      <inkml:brushProperty name="color" value="#E71224"/>
+    </inkml:brush>
+  </inkml:definitions>
+  <inkml:trace contextRef="#ctx0" brushRef="#br0">45 60 8208 0 0,'0'0'741'0'0,"-6"0"-594"0"0,4 0 276 0 0,1 0 1 0 0,-1 0 0 0 0,1 0 0 0 0,-1 0-1 0 0,0 1 1 0 0,1-1 0 0 0,-1 0 0 0 0,1 1-1 0 0,-1-1 1 0 0,1 1 0 0 0,-1-1-1 0 0,1 1 1 0 0,-1 0 0 0 0,-1 1 0 0 0,-11 4 11587 0 0,30-6-11312 0 0,0 1-1 0 0,19 3 1 0 0,-18-2-663 0 0,0-1 0 0 0,25 0 0 0 0,9 0 64 0 0,36 4 276 0 0,-5-5-15 0 0,44 7 134 0 0,76-3 186 0 0,-116-5-609 0 0,-35 2 41 0 0,-25 0-2 0 0,44-3 0 0 0,59-11 49 0 0,-34 0 264 0 0,-7-1-328 0 0,-86 14-96 0 0,0 0 0 0 0,0-1 0 0 0,-1 1 0 0 0,1-1 0 0 0,0 1 0 0 0,0-1 0 0 0,0 0 0 0 0,2-1 0 0 0,5-2 0 0 0,19-14 0 0 0,7 9 0 0 0,-22 9-215 0 0,-11-9 419 0 0,-20-1-1279 0 0,18 10 889 0 0,-1 0-1 0 0,0-1 0 0 0,0 1 0 0 0,1 0 1 0 0,-1 0-1 0 0,0 0 0 0 0,0 0 1 0 0,1 0-1 0 0,-1 0 0 0 0,0 0 1 0 0,0 0-1 0 0,1 0 0 0 0,-1 0 0 0 0,0 0 1 0 0,0 1-1 0 0,1-1 0 0 0,-1 0 1 0 0,0 0-1 0 0,1 1 0 0 0,-1-1 1 0 0,0 0-1 0 0,1 1 0 0 0,-1-1 1 0 0,0 1-1 0 0,-7 6-1964 0 0</inkml:trace>
+</inkml:ink>
+</file>
+
+<file path=ppt/ink/ink6.xml><?xml version="1.0" encoding="utf-8"?>
+<inkml:ink xmlns:inkml="http://www.w3.org/2003/InkML">
+  <inkml:definitions>
+    <inkml:context xml:id="ctx0">
+      <inkml:inkSource xml:id="inkSrc0">
+        <inkml:traceFormat>
+          <inkml:channel name="X" type="integer" min="-2.14748E9" max="2.14748E9" units="cm"/>
+          <inkml:channel name="Y" type="integer" min="-2.14748E9" max="2.14748E9" units="cm"/>
+          <inkml:channel name="F" type="integer" max="32767" units="dev"/>
+          <inkml:channel name="OA" type="integer" max="360" units="deg"/>
+          <inkml:channel name="OE" type="integer" max="90" units="deg"/>
+        </inkml:traceFormat>
+        <inkml:channelProperties>
+          <inkml:channelProperty channel="X" name="resolution" value="1000" units="1/cm"/>
+          <inkml:channelProperty channel="Y" name="resolution" value="1000" units="1/cm"/>
+          <inkml:channelProperty channel="F" name="resolution" value="0" units="1/dev"/>
+          <inkml:channelProperty channel="OA" name="resolution" value="1000" units="1/deg"/>
+          <inkml:channelProperty channel="OE" name="resolution" value="1000" units="1/deg"/>
+        </inkml:channelProperties>
+      </inkml:inkSource>
+      <inkml:timestamp xml:id="ts0" timeString="2020-11-09T17:01:12.757"/>
+    </inkml:context>
+    <inkml:brush xml:id="br0">
+      <inkml:brushProperty name="width" value="0.05" units="cm"/>
+      <inkml:brushProperty name="height" value="0.05" units="cm"/>
+      <inkml:brushProperty name="color" value="#E71224"/>
+    </inkml:brush>
+  </inkml:definitions>
+  <inkml:trace contextRef="#ctx0" brushRef="#br0">55 18 3224 0 0,'0'1'7'0'0,"0"0"9"0"0,0-1 0 0 0,-1 1 1 0 0,1 0-1 0 0,0-1 0 0 0,-1 1 0 0 0,1-1 0 0 0,0 1 0 0 0,-1 0 1 0 0,1-1-1 0 0,-1 1 0 0 0,1-1 0 0 0,-1 1 0 0 0,1-1 0 0 0,-1 1 1 0 0,1-1-1 0 0,-1 0 0 0 0,0 1 0 0 0,1-1 0 0 0,-1 0 0 0 0,0 1 0 0 0,1-1 1 0 0,-1 0-1 0 0,0 0 0 0 0,1 1 0 0 0,-1-1 0 0 0,0 0 0 0 0,0 0 1 0 0,1 0-1 0 0,-2 0 929 0 0,-19-2 5466 0 0,18 2-6956 0 0,-11 0 12065 0 0,20 2-10880 0 0,3 1-414 0 0,-6-2-81 0 0,1 0-1 0 0,0 0 0 0 0,0-1 1 0 0,-1 1-1 0 0,1-1 1 0 0,0 0-1 0 0,4 0 1 0 0,-6 0-134 0 0,0 0 0 0 0,0 0 1 0 0,0 0-1 0 0,0 0 0 0 0,-1 0 1 0 0,1 0-1 0 0,0-1 1 0 0,3 0-1 0 0,-3 0 27 0 0,0 0 0 0 0,-1 1-1 0 0,1 0 1 0 0,0-1 0 0 0,0 1 0 0 0,0 0 0 0 0,0 0-1 0 0,3 0 1 0 0,90-7 841 0 0,1-1-84 0 0,12 3-553 0 0,-7 10 106 0 0,-56-5-273 0 0,-37 0 4 0 0,1 0 0 0 0,-1 0-1 0 0,13-2 1 0 0,11-1-21 0 0,82-4 73 0 0,51 2 691 0 0,55 10-991 0 0,-63-8 254 0 0,86 11 110 0 0,-94-1 77 0 0,-106-4-243 0 0,102 12 14 0 0,-98-9 80 0 0,53-1 0 0 0,-40-3-45 0 0,27 1 58 0 0,74 6 172 0 0,-89-5-308 0 0,-40-2 0 0 0,133 0-24 0 0,64 5-16 0 0,-49 1 251 0 0,-101-6-422 0 0,467 4 774 0 0,-379-7-390 0 0,33-7 296 0 0,-96 13-255 0 0,-72-2-58 0 0,-21-1-584 0 0,1-1 0 0 0,20 0 0 0 0</inkml:trace>
+</inkml:ink>
+</file>
+
+<file path=ppt/ink/ink7.xml><?xml version="1.0" encoding="utf-8"?>
+<inkml:ink xmlns:inkml="http://www.w3.org/2003/InkML">
+  <inkml:definitions>
+    <inkml:context xml:id="ctx0">
+      <inkml:inkSource xml:id="inkSrc0">
+        <inkml:traceFormat>
+          <inkml:channel name="X" type="integer" min="-2.14748E9" max="2.14748E9" units="cm"/>
+          <inkml:channel name="Y" type="integer" min="-2.14748E9" max="2.14748E9" units="cm"/>
+          <inkml:channel name="F" type="integer" max="32767" units="dev"/>
+          <inkml:channel name="OA" type="integer" max="360" units="deg"/>
+          <inkml:channel name="OE" type="integer" max="90" units="deg"/>
+        </inkml:traceFormat>
+        <inkml:channelProperties>
+          <inkml:channelProperty channel="X" name="resolution" value="1000" units="1/cm"/>
+          <inkml:channelProperty channel="Y" name="resolution" value="1000" units="1/cm"/>
+          <inkml:channelProperty channel="F" name="resolution" value="0" units="1/dev"/>
+          <inkml:channelProperty channel="OA" name="resolution" value="1000" units="1/deg"/>
+          <inkml:channelProperty channel="OE" name="resolution" value="1000" units="1/deg"/>
+        </inkml:channelProperties>
+      </inkml:inkSource>
+      <inkml:timestamp xml:id="ts0" timeString="2020-11-09T17:02:29.323"/>
+    </inkml:context>
+    <inkml:brush xml:id="br0">
+      <inkml:brushProperty name="width" value="0.05" units="cm"/>
+      <inkml:brushProperty name="height" value="0.05" units="cm"/>
+      <inkml:brushProperty name="color" value="#E71224"/>
+    </inkml:brush>
+  </inkml:definitions>
+  <inkml:trace contextRef="#ctx0" brushRef="#br0">116 190 11976 0 0,'0'0'576'0'0,"-4"-2"106"0"0,-6-1-628 0 0,-12-4 1930 0 0,-11-2 1067 0 0,6 2 451 0 0,15 5-1188 0 0,12 2-2151 0 0,0 0 0 0 0,0 0 0 0 0,-1 0 1 0 0,1 0-1 0 0,0 0 0 0 0,0 0 0 0 0,-1 0 0 0 0,1 0 0 0 0,0 0 0 0 0,0 0 1 0 0,-1 0-1 0 0,1 0 0 0 0,0 0 0 0 0,0 0 0 0 0,-1 0 0 0 0,1 0 0 0 0,0 0 1 0 0,0 0-1 0 0,-1 0 0 0 0,1 1 0 0 0,0-1 0 0 0,0 0 0 0 0,0 0 0 0 0,-1 0 0 0 0,1 0 1 0 0,0 1-1 0 0,0-1 0 0 0,0 0 0 0 0,-1 0 0 0 0,1 0 0 0 0,0 1 0 0 0,0-1 1 0 0,0 0-1 0 0,0 0 0 0 0,0 1 0 0 0,-1-1 0 0 0,19 12-31 0 0,-8-9-97 0 0,1-1-1 0 0,-1-1 1 0 0,1 1-1 0 0,0-2 0 0 0,0 0 1 0 0,15-1-1 0 0,62-12 637 0 0,24-1-610 0 0,40 13 346 0 0,-89 3-407 0 0,-13 1 0 0 0,76 2 0 0 0,54 4-75 0 0,-152-8-59 0 0,183 2-60 0 0,-47-4 429 0 0,180 19-247 0 0,-215-11 109 0 0,-58-9 1 0 0,-17 0-49 0 0,132-13 216 0 0,-80 4-130 0 0,240-27 445 0 0,-192 20-544 0 0,-83 2-36 0 0,-37 7 0 0 0,-25 6 0 0 0,0-1 0 0 0,-1 0 0 0 0,0 0 0 0 0,0-1 0 0 0,0 0 0 0 0,-1 0 0 0 0,1-1 0 0 0,11-12 0 0 0,-17 16-47 0 0,-1 0 0 0 0,1 1 0 0 0,-1-1-1 0 0,0 0 1 0 0,0 0 0 0 0,0 0 0 0 0,1-3 0 0 0,7-9 291 0 0,-11 9-2339 0 0,-1 10 355 0 0</inkml:trace>
+</inkml:ink>
+</file>
+
+<file path=ppt/ink/ink8.xml><?xml version="1.0" encoding="utf-8"?>
+<inkml:ink xmlns:inkml="http://www.w3.org/2003/InkML">
+  <inkml:definitions>
+    <inkml:context xml:id="ctx0">
+      <inkml:inkSource xml:id="inkSrc0">
+        <inkml:traceFormat>
+          <inkml:channel name="X" type="integer" min="-2.14748E9" max="2.14748E9" units="cm"/>
+          <inkml:channel name="Y" type="integer" min="-2.14748E9" max="2.14748E9" units="cm"/>
+          <inkml:channel name="F" type="integer" max="32767" units="dev"/>
+          <inkml:channel name="OA" type="integer" max="360" units="deg"/>
+          <inkml:channel name="OE" type="integer" max="90" units="deg"/>
+        </inkml:traceFormat>
+        <inkml:channelProperties>
+          <inkml:channelProperty channel="X" name="resolution" value="1000" units="1/cm"/>
+          <inkml:channelProperty channel="Y" name="resolution" value="1000" units="1/cm"/>
+          <inkml:channelProperty channel="F" name="resolution" value="0" units="1/dev"/>
+          <inkml:channelProperty channel="OA" name="resolution" value="1000" units="1/deg"/>
+          <inkml:channelProperty channel="OE" name="resolution" value="1000" units="1/deg"/>
+        </inkml:channelProperties>
+      </inkml:inkSource>
+      <inkml:timestamp xml:id="ts0" timeString="2020-11-09T17:02:33.990"/>
+    </inkml:context>
+    <inkml:brush xml:id="br0">
+      <inkml:brushProperty name="width" value="0.05" units="cm"/>
+      <inkml:brushProperty name="height" value="0.05" units="cm"/>
+      <inkml:brushProperty name="color" value="#E71224"/>
+    </inkml:brush>
+  </inkml:definitions>
+  <inkml:trace contextRef="#ctx0" brushRef="#br0">0 83 12528 0 0,'0'0'572'0'0,"9"-7"208"0"0,-4 2-94 0 0,1-1 0 0 0,-2 1 1 0 0,7-9-1 0 0,-8 9-56 0 0,0 1-1 0 0,0 1 1 0 0,0-1 0 0 0,1 0-1 0 0,-1 1 1 0 0,1-1 0 0 0,0 1 0 0 0,0 0-1 0 0,8-5 1 0 0,-10 8-368 0 0,0-1 0 0 0,0 0 0 0 0,-1 1-1 0 0,1-1 1 0 0,0 1 0 0 0,0-1 0 0 0,0 1 0 0 0,3 0 0 0 0,-4 0-178 0 0,-1 0 1 0 0,1 0 0 0 0,-1 0-1 0 0,1 0 1 0 0,0 1-1 0 0,-1-1 1 0 0,1 0 0 0 0,0 0-1 0 0,-1 1 1 0 0,1-1 0 0 0,-1 0-1 0 0,1 1 1 0 0,-1-1-1 0 0,1 0 1 0 0,-1 1 0 0 0,1-1-1 0 0,0 2 1 0 0,0 0 49 0 0,1 0 1 0 0,-1 1-1 0 0,0 0 0 0 0,0-1 1 0 0,-1 1-1 0 0,1-1 0 0 0,0 1 1 0 0,-1 0-1 0 0,1 3 0 0 0,0 4 7 0 0,1 5 79 0 0,-1 1-1 0 0,-1 0 1 0 0,-1 20 0 0 0,-1 6 6 0 0,-8 213 486 0 0,3-139-536 0 0,4-75-157 0 0,1-22 3 0 0,1 35 1 0 0,-2 18-414 0 0,3-72 309 0 0,0 1-1 0 0,0 0 1 0 0,0 0-1 0 0,0 0 0 0 0,0 0 1 0 0,0 0-1 0 0,-1 0 0 0 0,1-1 1 0 0,0 1-1 0 0,-1 0 1 0 0,1 0-1 0 0,0 0 0 0 0,-1-1 1 0 0,1 1-1 0 0,-2 1 0 0 0,2-2-104 0 0,0 1 0 0 0,-1-1 0 0 0,1 0-1 0 0,-1 1 1 0 0,1-1 0 0 0,-1 0 0 0 0,1 0 0 0 0,-1 0-1 0 0,1 1 1 0 0,-1-1 0 0 0,1 0 0 0 0,-1 0-1 0 0,1 0 1 0 0,-1 0 0 0 0,1 0 0 0 0,-1 0 0 0 0,0 0-1 0 0,1 0 1 0 0,-1 0 0 0 0,1 0 0 0 0,-1 0-1 0 0,1 0 1 0 0,-1-1 0 0 0,1 1 0 0 0,-1 0-1 0 0,0-1 1 0 0</inkml:trace>
+</inkml:ink>
+</file>
+
+<file path=ppt/ink/ink9.xml><?xml version="1.0" encoding="utf-8"?>
+<inkml:ink xmlns:inkml="http://www.w3.org/2003/InkML">
+  <inkml:definitions>
+    <inkml:context xml:id="ctx0">
+      <inkml:inkSource xml:id="inkSrc0">
+        <inkml:traceFormat>
+          <inkml:channel name="X" type="integer" min="-2.14748E9" max="2.14748E9" units="cm"/>
+          <inkml:channel name="Y" type="integer" min="-2.14748E9" max="2.14748E9" units="cm"/>
+          <inkml:channel name="F" type="integer" max="32767" units="dev"/>
+          <inkml:channel name="OA" type="integer" max="360" units="deg"/>
+          <inkml:channel name="OE" type="integer" max="90" units="deg"/>
+        </inkml:traceFormat>
+        <inkml:channelProperties>
+          <inkml:channelProperty channel="X" name="resolution" value="1000" units="1/cm"/>
+          <inkml:channelProperty channel="Y" name="resolution" value="1000" units="1/cm"/>
+          <inkml:channelProperty channel="F" name="resolution" value="0" units="1/dev"/>
+          <inkml:channelProperty channel="OA" name="resolution" value="1000" units="1/deg"/>
+          <inkml:channelProperty channel="OE" name="resolution" value="1000" units="1/deg"/>
+        </inkml:channelProperties>
+      </inkml:inkSource>
+      <inkml:timestamp xml:id="ts0" timeString="2020-11-09T17:02:34.326"/>
+    </inkml:context>
+    <inkml:brush xml:id="br0">
+      <inkml:brushProperty name="width" value="0.05" units="cm"/>
+      <inkml:brushProperty name="height" value="0.05" units="cm"/>
+      <inkml:brushProperty name="color" value="#E71224"/>
+    </inkml:brush>
+  </inkml:definitions>
+  <inkml:trace contextRef="#ctx0" brushRef="#br0">0 358 6448 0 0,'0'0'498'0'0,"14"0"7517"0"0,-8-2-7050 0 0,-1 0-1 0 0,1 0 1 0 0,-1 0 0 0 0,1 0-1 0 0,-1-1 1 0 0,0 0 0 0 0,9-6-1 0 0,-7 3-178 0 0,0 0 0 0 0,-1-1-1 0 0,0 1 1 0 0,8-12 0 0 0,2-5-3 0 0,-1-2 0 0 0,14-34 0 0 0,-9 19 164 0 0,-6 13-580 0 0,-7 10-92 0 0,2 1 0 0 0,0 0 0 0 0,0 1 0 0 0,18-22-1 0 0,-26 36-277 0 0,1 0 0 0 0,-1-1 0 0 0,0 1 0 0 0,0 0 0 0 0,1 0 0 0 0,-1 0-1 0 0,0 0 1 0 0,1 0 0 0 0,-1 0 0 0 0,1 1 0 0 0,-1-1 0 0 0,1 0 0 0 0,-1 1-1 0 0,1-1 1 0 0,0 1 0 0 0,-1 0 0 0 0,4-1 0 0 0,-4 1 3 0 0,1 1 1 0 0,-1-1-1 0 0,1 0 1 0 0,-1 1-1 0 0,1-1 1 0 0,-1 1-1 0 0,0-1 1 0 0,1 1-1 0 0,-1 0 0 0 0,0 0 1 0 0,0-1-1 0 0,1 1 1 0 0,-1 0-1 0 0,0 0 1 0 0,2 2-1 0 0,2 4 18 0 0,0 1 0 0 0,0-1 0 0 0,0 1 0 0 0,-1-1 0 0 0,4 12 0 0 0,-7-16-13 0 0,13 35-7 0 0,14 57 0 0 0,-28-94 1 0 0,4 12-150 0 0,-1-1-1 0 0,11 22 1 0 0,-12-31-54 0 0,-1 1 0 0 0,1-1 0 0 0,1 1 0 0 0,-1-1 0 0 0,0 0 0 0 0,1 0 0 0 0,0 0 1 0 0,0 0-1 0 0,0-1 0 0 0,0 1 0 0 0,0-1 0 0 0,0 1 0 0 0,5 1 0 0 0,1 1-2474 0 0</inkml:trace>
+</inkml:ink>
 </file>
 
 <file path=ppt/notesMasters/notesMaster1.xml><?xml version="1.0" encoding="utf-8"?>
@@ -836,7 +1124,7 @@
           <a:p>
             <a:fld id="{3A2BF66F-FEB0-48C1-A8B9-A73F54BB1A08}" type="datetimeFigureOut">
               <a:rPr lang="en-US" smtClean="0"/>
-              <a:t>11/8/2020</a:t>
+              <a:t>11/9/2020</a:t>
             </a:fld>
             <a:endParaRPr lang="en-US"/>
           </a:p>
@@ -1036,7 +1324,7 @@
           <a:p>
             <a:fld id="{3A2BF66F-FEB0-48C1-A8B9-A73F54BB1A08}" type="datetimeFigureOut">
               <a:rPr lang="en-US" smtClean="0"/>
-              <a:t>11/8/2020</a:t>
+              <a:t>11/9/2020</a:t>
             </a:fld>
             <a:endParaRPr lang="en-US"/>
           </a:p>
@@ -1246,7 +1534,7 @@
           <a:p>
             <a:fld id="{3A2BF66F-FEB0-48C1-A8B9-A73F54BB1A08}" type="datetimeFigureOut">
               <a:rPr lang="en-US" smtClean="0"/>
-              <a:t>11/8/2020</a:t>
+              <a:t>11/9/2020</a:t>
             </a:fld>
             <a:endParaRPr lang="en-US"/>
           </a:p>
@@ -1446,7 +1734,7 @@
           <a:p>
             <a:fld id="{3A2BF66F-FEB0-48C1-A8B9-A73F54BB1A08}" type="datetimeFigureOut">
               <a:rPr lang="en-US" smtClean="0"/>
-              <a:t>11/8/2020</a:t>
+              <a:t>11/9/2020</a:t>
             </a:fld>
             <a:endParaRPr lang="en-US"/>
           </a:p>
@@ -1723,7 +2011,7 @@
           <a:p>
             <a:fld id="{3A2BF66F-FEB0-48C1-A8B9-A73F54BB1A08}" type="datetimeFigureOut">
               <a:rPr lang="en-US" smtClean="0"/>
-              <a:t>11/8/2020</a:t>
+              <a:t>11/9/2020</a:t>
             </a:fld>
             <a:endParaRPr lang="en-US"/>
           </a:p>
@@ -1990,7 +2278,7 @@
           <a:p>
             <a:fld id="{3A2BF66F-FEB0-48C1-A8B9-A73F54BB1A08}" type="datetimeFigureOut">
               <a:rPr lang="en-US" smtClean="0"/>
-              <a:t>11/8/2020</a:t>
+              <a:t>11/9/2020</a:t>
             </a:fld>
             <a:endParaRPr lang="en-US"/>
           </a:p>
@@ -2404,7 +2692,7 @@
           <a:p>
             <a:fld id="{3A2BF66F-FEB0-48C1-A8B9-A73F54BB1A08}" type="datetimeFigureOut">
               <a:rPr lang="en-US" smtClean="0"/>
-              <a:t>11/8/2020</a:t>
+              <a:t>11/9/2020</a:t>
             </a:fld>
             <a:endParaRPr lang="en-US"/>
           </a:p>
@@ -2547,7 +2835,7 @@
           <a:p>
             <a:fld id="{3A2BF66F-FEB0-48C1-A8B9-A73F54BB1A08}" type="datetimeFigureOut">
               <a:rPr lang="en-US" smtClean="0"/>
-              <a:t>11/8/2020</a:t>
+              <a:t>11/9/2020</a:t>
             </a:fld>
             <a:endParaRPr lang="en-US"/>
           </a:p>
@@ -2662,7 +2950,7 @@
           <a:p>
             <a:fld id="{3A2BF66F-FEB0-48C1-A8B9-A73F54BB1A08}" type="datetimeFigureOut">
               <a:rPr lang="en-US" smtClean="0"/>
-              <a:t>11/8/2020</a:t>
+              <a:t>11/9/2020</a:t>
             </a:fld>
             <a:endParaRPr lang="en-US"/>
           </a:p>
@@ -2974,7 +3262,7 @@
           <a:p>
             <a:fld id="{3A2BF66F-FEB0-48C1-A8B9-A73F54BB1A08}" type="datetimeFigureOut">
               <a:rPr lang="en-US" smtClean="0"/>
-              <a:t>11/8/2020</a:t>
+              <a:t>11/9/2020</a:t>
             </a:fld>
             <a:endParaRPr lang="en-US"/>
           </a:p>
@@ -3264,7 +3552,7 @@
           <a:p>
             <a:fld id="{3A2BF66F-FEB0-48C1-A8B9-A73F54BB1A08}" type="datetimeFigureOut">
               <a:rPr lang="en-US" smtClean="0"/>
-              <a:t>11/8/2020</a:t>
+              <a:t>11/9/2020</a:t>
             </a:fld>
             <a:endParaRPr lang="en-US"/>
           </a:p>
@@ -3507,7 +3795,7 @@
           <a:p>
             <a:fld id="{3A2BF66F-FEB0-48C1-A8B9-A73F54BB1A08}" type="datetimeFigureOut">
               <a:rPr lang="en-US" smtClean="0"/>
-              <a:t>11/8/2020</a:t>
+              <a:t>11/9/2020</a:t>
             </a:fld>
             <a:endParaRPr lang="en-US"/>
           </a:p>
@@ -4207,6 +4495,486 @@
           </a:p>
         </p:txBody>
       </p:sp>
+      <mc:AlternateContent xmlns:mc="http://schemas.openxmlformats.org/markup-compatibility/2006">
+        <mc:Choice xmlns:p14="http://schemas.microsoft.com/office/powerpoint/2010/main" Requires="p14">
+          <p:contentPart p14:bwMode="auto" r:id="rId2">
+            <p14:nvContentPartPr>
+              <p14:cNvPr id="5" name="Ink 4">
+                <a:extLst>
+                  <a:ext uri="{FF2B5EF4-FFF2-40B4-BE49-F238E27FC236}">
+                    <a16:creationId xmlns:a16="http://schemas.microsoft.com/office/drawing/2014/main" id="{72BE7755-F433-447C-BAD8-EB973242DF7A}"/>
+                  </a:ext>
+                </a:extLst>
+              </p14:cNvPr>
+              <p14:cNvContentPartPr/>
+              <p14:nvPr/>
+            </p14:nvContentPartPr>
+            <p14:xfrm>
+              <a:off x="2148409" y="1689019"/>
+              <a:ext cx="717120" cy="53280"/>
+            </p14:xfrm>
+          </p:contentPart>
+        </mc:Choice>
+        <mc:Fallback>
+          <p:pic>
+            <p:nvPicPr>
+              <p:cNvPr id="5" name="Ink 4">
+                <a:extLst>
+                  <a:ext uri="{FF2B5EF4-FFF2-40B4-BE49-F238E27FC236}">
+                    <a16:creationId xmlns:a16="http://schemas.microsoft.com/office/drawing/2014/main" id="{72BE7755-F433-447C-BAD8-EB973242DF7A}"/>
+                  </a:ext>
+                </a:extLst>
+              </p:cNvPr>
+              <p:cNvPicPr/>
+              <p:nvPr/>
+            </p:nvPicPr>
+            <p:blipFill>
+              <a:blip r:embed="rId3"/>
+              <a:stretch>
+                <a:fillRect/>
+              </a:stretch>
+            </p:blipFill>
+            <p:spPr>
+              <a:xfrm>
+                <a:off x="2139769" y="1680379"/>
+                <a:ext cx="734760" cy="70920"/>
+              </a:xfrm>
+              <a:prstGeom prst="rect">
+                <a:avLst/>
+              </a:prstGeom>
+            </p:spPr>
+          </p:pic>
+        </mc:Fallback>
+      </mc:AlternateContent>
+      <mc:AlternateContent xmlns:mc="http://schemas.openxmlformats.org/markup-compatibility/2006">
+        <mc:Choice xmlns:p14="http://schemas.microsoft.com/office/powerpoint/2010/main" Requires="p14">
+          <p:contentPart p14:bwMode="auto" r:id="rId4">
+            <p14:nvContentPartPr>
+              <p14:cNvPr id="6" name="Ink 5">
+                <a:extLst>
+                  <a:ext uri="{FF2B5EF4-FFF2-40B4-BE49-F238E27FC236}">
+                    <a16:creationId xmlns:a16="http://schemas.microsoft.com/office/drawing/2014/main" id="{1DF9EDBB-F0E6-4633-A958-A52C61288BFE}"/>
+                  </a:ext>
+                </a:extLst>
+              </p14:cNvPr>
+              <p14:cNvContentPartPr/>
+              <p14:nvPr/>
+            </p14:nvContentPartPr>
+            <p14:xfrm>
+              <a:off x="2313289" y="2116339"/>
+              <a:ext cx="698400" cy="29160"/>
+            </p14:xfrm>
+          </p:contentPart>
+        </mc:Choice>
+        <mc:Fallback>
+          <p:pic>
+            <p:nvPicPr>
+              <p:cNvPr id="6" name="Ink 5">
+                <a:extLst>
+                  <a:ext uri="{FF2B5EF4-FFF2-40B4-BE49-F238E27FC236}">
+                    <a16:creationId xmlns:a16="http://schemas.microsoft.com/office/drawing/2014/main" id="{1DF9EDBB-F0E6-4633-A958-A52C61288BFE}"/>
+                  </a:ext>
+                </a:extLst>
+              </p:cNvPr>
+              <p:cNvPicPr/>
+              <p:nvPr/>
+            </p:nvPicPr>
+            <p:blipFill>
+              <a:blip r:embed="rId5"/>
+              <a:stretch>
+                <a:fillRect/>
+              </a:stretch>
+            </p:blipFill>
+            <p:spPr>
+              <a:xfrm>
+                <a:off x="2304289" y="2107339"/>
+                <a:ext cx="716040" cy="46800"/>
+              </a:xfrm>
+              <a:prstGeom prst="rect">
+                <a:avLst/>
+              </a:prstGeom>
+            </p:spPr>
+          </p:pic>
+        </mc:Fallback>
+      </mc:AlternateContent>
+      <mc:AlternateContent xmlns:mc="http://schemas.openxmlformats.org/markup-compatibility/2006">
+        <mc:Choice xmlns:p14="http://schemas.microsoft.com/office/powerpoint/2010/main" Requires="p14">
+          <p:contentPart p14:bwMode="auto" r:id="rId6">
+            <p14:nvContentPartPr>
+              <p14:cNvPr id="7" name="Ink 6">
+                <a:extLst>
+                  <a:ext uri="{FF2B5EF4-FFF2-40B4-BE49-F238E27FC236}">
+                    <a16:creationId xmlns:a16="http://schemas.microsoft.com/office/drawing/2014/main" id="{B97D779B-F24D-4A39-A434-B12EB76319A0}"/>
+                  </a:ext>
+                </a:extLst>
+              </p14:cNvPr>
+              <p14:cNvContentPartPr/>
+              <p14:nvPr/>
+            </p14:nvContentPartPr>
+            <p14:xfrm>
+              <a:off x="1848169" y="2571739"/>
+              <a:ext cx="863280" cy="39600"/>
+            </p14:xfrm>
+          </p:contentPart>
+        </mc:Choice>
+        <mc:Fallback>
+          <p:pic>
+            <p:nvPicPr>
+              <p:cNvPr id="7" name="Ink 6">
+                <a:extLst>
+                  <a:ext uri="{FF2B5EF4-FFF2-40B4-BE49-F238E27FC236}">
+                    <a16:creationId xmlns:a16="http://schemas.microsoft.com/office/drawing/2014/main" id="{B97D779B-F24D-4A39-A434-B12EB76319A0}"/>
+                  </a:ext>
+                </a:extLst>
+              </p:cNvPr>
+              <p:cNvPicPr/>
+              <p:nvPr/>
+            </p:nvPicPr>
+            <p:blipFill>
+              <a:blip r:embed="rId7"/>
+              <a:stretch>
+                <a:fillRect/>
+              </a:stretch>
+            </p:blipFill>
+            <p:spPr>
+              <a:xfrm>
+                <a:off x="1839529" y="2563099"/>
+                <a:ext cx="880920" cy="57240"/>
+              </a:xfrm>
+              <a:prstGeom prst="rect">
+                <a:avLst/>
+              </a:prstGeom>
+            </p:spPr>
+          </p:pic>
+        </mc:Fallback>
+      </mc:AlternateContent>
+      <mc:AlternateContent xmlns:mc="http://schemas.openxmlformats.org/markup-compatibility/2006">
+        <mc:Choice xmlns:p14="http://schemas.microsoft.com/office/powerpoint/2010/main" Requires="p14">
+          <p:contentPart p14:bwMode="auto" r:id="rId8">
+            <p14:nvContentPartPr>
+              <p14:cNvPr id="8" name="Ink 7">
+                <a:extLst>
+                  <a:ext uri="{FF2B5EF4-FFF2-40B4-BE49-F238E27FC236}">
+                    <a16:creationId xmlns:a16="http://schemas.microsoft.com/office/drawing/2014/main" id="{86BDEB73-53B2-4673-A491-FF7DD569BEE3}"/>
+                  </a:ext>
+                </a:extLst>
+              </p14:cNvPr>
+              <p14:cNvContentPartPr/>
+              <p14:nvPr/>
+            </p14:nvContentPartPr>
+            <p14:xfrm>
+              <a:off x="1823689" y="2549419"/>
+              <a:ext cx="832320" cy="56160"/>
+            </p14:xfrm>
+          </p:contentPart>
+        </mc:Choice>
+        <mc:Fallback>
+          <p:pic>
+            <p:nvPicPr>
+              <p:cNvPr id="8" name="Ink 7">
+                <a:extLst>
+                  <a:ext uri="{FF2B5EF4-FFF2-40B4-BE49-F238E27FC236}">
+                    <a16:creationId xmlns:a16="http://schemas.microsoft.com/office/drawing/2014/main" id="{86BDEB73-53B2-4673-A491-FF7DD569BEE3}"/>
+                  </a:ext>
+                </a:extLst>
+              </p:cNvPr>
+              <p:cNvPicPr/>
+              <p:nvPr/>
+            </p:nvPicPr>
+            <p:blipFill>
+              <a:blip r:embed="rId9"/>
+              <a:stretch>
+                <a:fillRect/>
+              </a:stretch>
+            </p:blipFill>
+            <p:spPr>
+              <a:xfrm>
+                <a:off x="1815049" y="2540419"/>
+                <a:ext cx="849960" cy="73800"/>
+              </a:xfrm>
+              <a:prstGeom prst="rect">
+                <a:avLst/>
+              </a:prstGeom>
+            </p:spPr>
+          </p:pic>
+        </mc:Fallback>
+      </mc:AlternateContent>
+      <mc:AlternateContent xmlns:mc="http://schemas.openxmlformats.org/markup-compatibility/2006">
+        <mc:Choice xmlns:p14="http://schemas.microsoft.com/office/powerpoint/2010/main" Requires="p14">
+          <p:contentPart p14:bwMode="auto" r:id="rId10">
+            <p14:nvContentPartPr>
+              <p14:cNvPr id="9" name="Ink 8">
+                <a:extLst>
+                  <a:ext uri="{FF2B5EF4-FFF2-40B4-BE49-F238E27FC236}">
+                    <a16:creationId xmlns:a16="http://schemas.microsoft.com/office/drawing/2014/main" id="{1D658677-C51A-4881-B67A-7F2FC013EC93}"/>
+                  </a:ext>
+                </a:extLst>
+              </p14:cNvPr>
+              <p14:cNvContentPartPr/>
+              <p14:nvPr/>
+            </p14:nvContentPartPr>
+            <p14:xfrm>
+              <a:off x="842689" y="3321259"/>
+              <a:ext cx="483480" cy="36000"/>
+            </p14:xfrm>
+          </p:contentPart>
+        </mc:Choice>
+        <mc:Fallback>
+          <p:pic>
+            <p:nvPicPr>
+              <p:cNvPr id="9" name="Ink 8">
+                <a:extLst>
+                  <a:ext uri="{FF2B5EF4-FFF2-40B4-BE49-F238E27FC236}">
+                    <a16:creationId xmlns:a16="http://schemas.microsoft.com/office/drawing/2014/main" id="{1D658677-C51A-4881-B67A-7F2FC013EC93}"/>
+                  </a:ext>
+                </a:extLst>
+              </p:cNvPr>
+              <p:cNvPicPr/>
+              <p:nvPr/>
+            </p:nvPicPr>
+            <p:blipFill>
+              <a:blip r:embed="rId11"/>
+              <a:stretch>
+                <a:fillRect/>
+              </a:stretch>
+            </p:blipFill>
+            <p:spPr>
+              <a:xfrm>
+                <a:off x="833689" y="3312619"/>
+                <a:ext cx="501120" cy="53640"/>
+              </a:xfrm>
+              <a:prstGeom prst="rect">
+                <a:avLst/>
+              </a:prstGeom>
+            </p:spPr>
+          </p:pic>
+        </mc:Fallback>
+      </mc:AlternateContent>
+      <mc:AlternateContent xmlns:mc="http://schemas.openxmlformats.org/markup-compatibility/2006">
+        <mc:Choice xmlns:p14="http://schemas.microsoft.com/office/powerpoint/2010/main" Requires="p14">
+          <p:contentPart p14:bwMode="auto" r:id="rId12">
+            <p14:nvContentPartPr>
+              <p14:cNvPr id="10" name="Ink 9">
+                <a:extLst>
+                  <a:ext uri="{FF2B5EF4-FFF2-40B4-BE49-F238E27FC236}">
+                    <a16:creationId xmlns:a16="http://schemas.microsoft.com/office/drawing/2014/main" id="{1573E16B-83E8-4E97-937B-EFAD5D0332B0}"/>
+                  </a:ext>
+                </a:extLst>
+              </p14:cNvPr>
+              <p14:cNvContentPartPr/>
+              <p14:nvPr/>
+            </p14:nvContentPartPr>
+            <p14:xfrm>
+              <a:off x="4029769" y="3742819"/>
+              <a:ext cx="1499400" cy="34560"/>
+            </p14:xfrm>
+          </p:contentPart>
+        </mc:Choice>
+        <mc:Fallback>
+          <p:pic>
+            <p:nvPicPr>
+              <p:cNvPr id="10" name="Ink 9">
+                <a:extLst>
+                  <a:ext uri="{FF2B5EF4-FFF2-40B4-BE49-F238E27FC236}">
+                    <a16:creationId xmlns:a16="http://schemas.microsoft.com/office/drawing/2014/main" id="{1573E16B-83E8-4E97-937B-EFAD5D0332B0}"/>
+                  </a:ext>
+                </a:extLst>
+              </p:cNvPr>
+              <p:cNvPicPr/>
+              <p:nvPr/>
+            </p:nvPicPr>
+            <p:blipFill>
+              <a:blip r:embed="rId13"/>
+              <a:stretch>
+                <a:fillRect/>
+              </a:stretch>
+            </p:blipFill>
+            <p:spPr>
+              <a:xfrm>
+                <a:off x="4020769" y="3734179"/>
+                <a:ext cx="1517040" cy="52200"/>
+              </a:xfrm>
+              <a:prstGeom prst="rect">
+                <a:avLst/>
+              </a:prstGeom>
+            </p:spPr>
+          </p:pic>
+        </mc:Fallback>
+      </mc:AlternateContent>
+      <mc:AlternateContent xmlns:mc="http://schemas.openxmlformats.org/markup-compatibility/2006">
+        <mc:Choice xmlns:p14="http://schemas.microsoft.com/office/powerpoint/2010/main" Requires="p14">
+          <p:contentPart p14:bwMode="auto" r:id="rId14">
+            <p14:nvContentPartPr>
+              <p14:cNvPr id="11" name="Ink 10">
+                <a:extLst>
+                  <a:ext uri="{FF2B5EF4-FFF2-40B4-BE49-F238E27FC236}">
+                    <a16:creationId xmlns:a16="http://schemas.microsoft.com/office/drawing/2014/main" id="{9595BC91-1195-430F-B0A8-9A8B5EE181E9}"/>
+                  </a:ext>
+                </a:extLst>
+              </p14:cNvPr>
+              <p14:cNvContentPartPr/>
+              <p14:nvPr/>
+            </p14:nvContentPartPr>
+            <p14:xfrm>
+              <a:off x="3085129" y="4530139"/>
+              <a:ext cx="1037520" cy="73080"/>
+            </p14:xfrm>
+          </p:contentPart>
+        </mc:Choice>
+        <mc:Fallback>
+          <p:pic>
+            <p:nvPicPr>
+              <p:cNvPr id="11" name="Ink 10">
+                <a:extLst>
+                  <a:ext uri="{FF2B5EF4-FFF2-40B4-BE49-F238E27FC236}">
+                    <a16:creationId xmlns:a16="http://schemas.microsoft.com/office/drawing/2014/main" id="{9595BC91-1195-430F-B0A8-9A8B5EE181E9}"/>
+                  </a:ext>
+                </a:extLst>
+              </p:cNvPr>
+              <p:cNvPicPr/>
+              <p:nvPr/>
+            </p:nvPicPr>
+            <p:blipFill>
+              <a:blip r:embed="rId15"/>
+              <a:stretch>
+                <a:fillRect/>
+              </a:stretch>
+            </p:blipFill>
+            <p:spPr>
+              <a:xfrm>
+                <a:off x="3076129" y="4521139"/>
+                <a:ext cx="1055160" cy="90720"/>
+              </a:xfrm>
+              <a:prstGeom prst="rect">
+                <a:avLst/>
+              </a:prstGeom>
+            </p:spPr>
+          </p:pic>
+        </mc:Fallback>
+      </mc:AlternateContent>
+      <p:grpSp>
+        <p:nvGrpSpPr>
+          <p:cNvPr id="14" name="Group 13">
+            <a:extLst>
+              <a:ext uri="{FF2B5EF4-FFF2-40B4-BE49-F238E27FC236}">
+                <a16:creationId xmlns:a16="http://schemas.microsoft.com/office/drawing/2014/main" id="{9F09534F-B5C6-480A-9F94-237BCDE9DF5E}"/>
+              </a:ext>
+            </a:extLst>
+          </p:cNvPr>
+          <p:cNvGrpSpPr/>
+          <p:nvPr/>
+        </p:nvGrpSpPr>
+        <p:grpSpPr>
+          <a:xfrm>
+            <a:off x="2770129" y="4647139"/>
+            <a:ext cx="165600" cy="274320"/>
+            <a:chOff x="2770129" y="4647139"/>
+            <a:chExt cx="165600" cy="274320"/>
+          </a:xfrm>
+        </p:grpSpPr>
+        <mc:AlternateContent xmlns:mc="http://schemas.openxmlformats.org/markup-compatibility/2006">
+          <mc:Choice xmlns:p14="http://schemas.microsoft.com/office/powerpoint/2010/main" Requires="p14">
+            <p:contentPart p14:bwMode="auto" r:id="rId16">
+              <p14:nvContentPartPr>
+                <p14:cNvPr id="12" name="Ink 11">
+                  <a:extLst>
+                    <a:ext uri="{FF2B5EF4-FFF2-40B4-BE49-F238E27FC236}">
+                      <a16:creationId xmlns:a16="http://schemas.microsoft.com/office/drawing/2014/main" id="{6E4BC77E-D20B-4116-A987-2FD94EB963F5}"/>
+                    </a:ext>
+                  </a:extLst>
+                </p14:cNvPr>
+                <p14:cNvContentPartPr/>
+                <p14:nvPr/>
+              </p14:nvContentPartPr>
+              <p14:xfrm>
+                <a:off x="2836729" y="4653259"/>
+                <a:ext cx="44280" cy="268200"/>
+              </p14:xfrm>
+            </p:contentPart>
+          </mc:Choice>
+          <mc:Fallback>
+            <p:pic>
+              <p:nvPicPr>
+                <p:cNvPr id="12" name="Ink 11">
+                  <a:extLst>
+                    <a:ext uri="{FF2B5EF4-FFF2-40B4-BE49-F238E27FC236}">
+                      <a16:creationId xmlns:a16="http://schemas.microsoft.com/office/drawing/2014/main" id="{6E4BC77E-D20B-4116-A987-2FD94EB963F5}"/>
+                    </a:ext>
+                  </a:extLst>
+                </p:cNvPr>
+                <p:cNvPicPr/>
+                <p:nvPr/>
+              </p:nvPicPr>
+              <p:blipFill>
+                <a:blip r:embed="rId17"/>
+                <a:stretch>
+                  <a:fillRect/>
+                </a:stretch>
+              </p:blipFill>
+              <p:spPr>
+                <a:xfrm>
+                  <a:off x="2827729" y="4644619"/>
+                  <a:ext cx="61920" cy="285840"/>
+                </a:xfrm>
+                <a:prstGeom prst="rect">
+                  <a:avLst/>
+                </a:prstGeom>
+              </p:spPr>
+            </p:pic>
+          </mc:Fallback>
+        </mc:AlternateContent>
+        <mc:AlternateContent xmlns:mc="http://schemas.openxmlformats.org/markup-compatibility/2006">
+          <mc:Choice xmlns:p14="http://schemas.microsoft.com/office/powerpoint/2010/main" Requires="p14">
+            <p:contentPart p14:bwMode="auto" r:id="rId18">
+              <p14:nvContentPartPr>
+                <p14:cNvPr id="13" name="Ink 12">
+                  <a:extLst>
+                    <a:ext uri="{FF2B5EF4-FFF2-40B4-BE49-F238E27FC236}">
+                      <a16:creationId xmlns:a16="http://schemas.microsoft.com/office/drawing/2014/main" id="{AEBC6AD6-D7FD-4814-A5D0-ED15DE27C31C}"/>
+                    </a:ext>
+                  </a:extLst>
+                </p14:cNvPr>
+                <p14:cNvContentPartPr/>
+                <p14:nvPr/>
+              </p14:nvContentPartPr>
+              <p14:xfrm>
+                <a:off x="2770129" y="4647139"/>
+                <a:ext cx="165600" cy="129240"/>
+              </p14:xfrm>
+            </p:contentPart>
+          </mc:Choice>
+          <mc:Fallback>
+            <p:pic>
+              <p:nvPicPr>
+                <p:cNvPr id="13" name="Ink 12">
+                  <a:extLst>
+                    <a:ext uri="{FF2B5EF4-FFF2-40B4-BE49-F238E27FC236}">
+                      <a16:creationId xmlns:a16="http://schemas.microsoft.com/office/drawing/2014/main" id="{AEBC6AD6-D7FD-4814-A5D0-ED15DE27C31C}"/>
+                    </a:ext>
+                  </a:extLst>
+                </p:cNvPr>
+                <p:cNvPicPr/>
+                <p:nvPr/>
+              </p:nvPicPr>
+              <p:blipFill>
+                <a:blip r:embed="rId19"/>
+                <a:stretch>
+                  <a:fillRect/>
+                </a:stretch>
+              </p:blipFill>
+              <p:spPr>
+                <a:xfrm>
+                  <a:off x="2761129" y="4638139"/>
+                  <a:ext cx="183240" cy="146880"/>
+                </a:xfrm>
+                <a:prstGeom prst="rect">
+                  <a:avLst/>
+                </a:prstGeom>
+              </p:spPr>
+            </p:pic>
+          </mc:Fallback>
+        </mc:AlternateContent>
+      </p:grpSp>
     </p:spTree>
     <p:extLst>
       <p:ext uri="{BB962C8B-B14F-4D97-AF65-F5344CB8AC3E}">
@@ -4708,7 +5476,7 @@
             </a:pPr>
             <a:r>
               <a:rPr lang="en-US" dirty="0"/>
-              <a:t>set(“Johnson, 2);</a:t>
+              <a:t>set(“Johnson”, 2);</a:t>
             </a:r>
           </a:p>
           <a:p>
@@ -4718,7 +5486,7 @@
             </a:pPr>
             <a:r>
               <a:rPr lang="en-US" dirty="0"/>
-              <a:t>set(“Williams, 3);</a:t>
+              <a:t>set(“Williams”, 3);</a:t>
             </a:r>
           </a:p>
           <a:p>
@@ -4728,7 +5496,7 @@
             </a:pPr>
             <a:r>
               <a:rPr lang="en-US" dirty="0"/>
-              <a:t>set(“Brown, 4);</a:t>
+              <a:t>set(“Brown”, 4);</a:t>
             </a:r>
           </a:p>
           <a:p>
@@ -4738,7 +5506,7 @@
             </a:pPr>
             <a:r>
               <a:rPr lang="en-US" dirty="0"/>
-              <a:t>set(“Jones, 5);</a:t>
+              <a:t>set(“Jones”, 5);</a:t>
             </a:r>
           </a:p>
           <a:p>
@@ -4748,7 +5516,7 @@
             </a:pPr>
             <a:r>
               <a:rPr lang="en-US" dirty="0"/>
-              <a:t>set(“Garcia, 6);</a:t>
+              <a:t>set(“Garcia”, 6);</a:t>
             </a:r>
           </a:p>
           <a:p>
@@ -4758,7 +5526,7 @@
             </a:pPr>
             <a:r>
               <a:rPr lang="en-US" dirty="0"/>
-              <a:t>set(“Miller, 7);</a:t>
+              <a:t>set(“Miller”, 7);</a:t>
             </a:r>
           </a:p>
           <a:p>
@@ -4768,7 +5536,7 @@
             </a:pPr>
             <a:r>
               <a:rPr lang="en-US" dirty="0"/>
-              <a:t>set(“Davis, 8);</a:t>
+              <a:t>set(“Davis”, 8);</a:t>
             </a:r>
           </a:p>
           <a:p>
@@ -4778,7 +5546,7 @@
             </a:pPr>
             <a:r>
               <a:rPr lang="en-US" dirty="0"/>
-              <a:t>set(“Rodriguez, 9);</a:t>
+              <a:t>set(“Rodriguez”, 9);</a:t>
             </a:r>
           </a:p>
           <a:p>
@@ -4788,7 +5556,15 @@
             </a:pPr>
             <a:r>
               <a:rPr lang="en-US" dirty="0"/>
-              <a:t>set(“Martinez, 10);</a:t>
+              <a:t>set</a:t>
+            </a:r>
+            <a:r>
+              <a:rPr lang="en-US"/>
+              <a:t>(“Martinez”, </a:t>
+            </a:r>
+            <a:r>
+              <a:rPr lang="en-US" dirty="0"/>
+              <a:t>10);</a:t>
             </a:r>
           </a:p>
         </p:txBody>
